--- a/resources/assets/document-templates/pt-BR/new.pptx
+++ b/resources/assets/document-templates/pt-BR/new.pptx
@@ -2373,7 +2373,7 @@
           <a:p>
             <a:r>
               <a:rPr lang="pt-BR" smtClean="0"/>
-              <a:t>Click to edit Master title style</a:t>
+              <a:t>Clique para editar os estilos</a:t>
             </a:r>
             <a:endParaRPr lang="pt-BR" dirty="0"/>
           </a:p>
